--- a/gis2/projekat 2.pptx
+++ b/gis2/projekat 2.pptx
@@ -10,9 +10,11 @@
     <p:sldId id="258" r:id="rId4"/>
     <p:sldId id="259" r:id="rId5"/>
     <p:sldId id="260" r:id="rId6"/>
-    <p:sldId id="261" r:id="rId7"/>
-    <p:sldId id="262" r:id="rId8"/>
-    <p:sldId id="263" r:id="rId9"/>
+    <p:sldId id="264" r:id="rId7"/>
+    <p:sldId id="261" r:id="rId8"/>
+    <p:sldId id="262" r:id="rId9"/>
+    <p:sldId id="265" r:id="rId10"/>
+    <p:sldId id="263" r:id="rId11"/>
   </p:sldIdLst>
   <p:sldSz cx="12192000" cy="6858000"/>
   <p:notesSz cx="6858000" cy="9144000"/>
@@ -111,6 +113,11 @@
       </a:defRPr>
     </a:lvl9pPr>
   </p:defaultTextStyle>
+  <p:extLst>
+    <p:ext uri="{EFAFB233-063F-42B5-8137-9DF3F51BA10A}">
+      <p15:sldGuideLst xmlns:p15="http://schemas.microsoft.com/office/powerpoint/2012/main"/>
+    </p:ext>
+  </p:extLst>
 </p:presentation>
 </file>
 
@@ -261,7 +268,7 @@
           <a:p>
             <a:fld id="{52F459B3-43D8-42A8-A121-4FD8C116923C}" type="datetimeFigureOut">
               <a:rPr lang="en-US" smtClean="0"/>
-              <a:t>28-May-24</a:t>
+              <a:t>26-Jun-24</a:t>
             </a:fld>
             <a:endParaRPr lang="en-US"/>
           </a:p>
@@ -459,7 +466,7 @@
           <a:p>
             <a:fld id="{52F459B3-43D8-42A8-A121-4FD8C116923C}" type="datetimeFigureOut">
               <a:rPr lang="en-US" smtClean="0"/>
-              <a:t>28-May-24</a:t>
+              <a:t>26-Jun-24</a:t>
             </a:fld>
             <a:endParaRPr lang="en-US"/>
           </a:p>
@@ -667,7 +674,7 @@
           <a:p>
             <a:fld id="{52F459B3-43D8-42A8-A121-4FD8C116923C}" type="datetimeFigureOut">
               <a:rPr lang="en-US" smtClean="0"/>
-              <a:t>28-May-24</a:t>
+              <a:t>26-Jun-24</a:t>
             </a:fld>
             <a:endParaRPr lang="en-US"/>
           </a:p>
@@ -865,7 +872,7 @@
           <a:p>
             <a:fld id="{52F459B3-43D8-42A8-A121-4FD8C116923C}" type="datetimeFigureOut">
               <a:rPr lang="en-US" smtClean="0"/>
-              <a:t>28-May-24</a:t>
+              <a:t>26-Jun-24</a:t>
             </a:fld>
             <a:endParaRPr lang="en-US"/>
           </a:p>
@@ -1140,7 +1147,7 @@
           <a:p>
             <a:fld id="{52F459B3-43D8-42A8-A121-4FD8C116923C}" type="datetimeFigureOut">
               <a:rPr lang="en-US" smtClean="0"/>
-              <a:t>28-May-24</a:t>
+              <a:t>26-Jun-24</a:t>
             </a:fld>
             <a:endParaRPr lang="en-US"/>
           </a:p>
@@ -1405,7 +1412,7 @@
           <a:p>
             <a:fld id="{52F459B3-43D8-42A8-A121-4FD8C116923C}" type="datetimeFigureOut">
               <a:rPr lang="en-US" smtClean="0"/>
-              <a:t>28-May-24</a:t>
+              <a:t>26-Jun-24</a:t>
             </a:fld>
             <a:endParaRPr lang="en-US"/>
           </a:p>
@@ -1817,7 +1824,7 @@
           <a:p>
             <a:fld id="{52F459B3-43D8-42A8-A121-4FD8C116923C}" type="datetimeFigureOut">
               <a:rPr lang="en-US" smtClean="0"/>
-              <a:t>28-May-24</a:t>
+              <a:t>26-Jun-24</a:t>
             </a:fld>
             <a:endParaRPr lang="en-US"/>
           </a:p>
@@ -1958,7 +1965,7 @@
           <a:p>
             <a:fld id="{52F459B3-43D8-42A8-A121-4FD8C116923C}" type="datetimeFigureOut">
               <a:rPr lang="en-US" smtClean="0"/>
-              <a:t>28-May-24</a:t>
+              <a:t>26-Jun-24</a:t>
             </a:fld>
             <a:endParaRPr lang="en-US"/>
           </a:p>
@@ -2071,7 +2078,7 @@
           <a:p>
             <a:fld id="{52F459B3-43D8-42A8-A121-4FD8C116923C}" type="datetimeFigureOut">
               <a:rPr lang="en-US" smtClean="0"/>
-              <a:t>28-May-24</a:t>
+              <a:t>26-Jun-24</a:t>
             </a:fld>
             <a:endParaRPr lang="en-US"/>
           </a:p>
@@ -2382,7 +2389,7 @@
           <a:p>
             <a:fld id="{52F459B3-43D8-42A8-A121-4FD8C116923C}" type="datetimeFigureOut">
               <a:rPr lang="en-US" smtClean="0"/>
-              <a:t>28-May-24</a:t>
+              <a:t>26-Jun-24</a:t>
             </a:fld>
             <a:endParaRPr lang="en-US"/>
           </a:p>
@@ -2670,7 +2677,7 @@
           <a:p>
             <a:fld id="{52F459B3-43D8-42A8-A121-4FD8C116923C}" type="datetimeFigureOut">
               <a:rPr lang="en-US" smtClean="0"/>
-              <a:t>28-May-24</a:t>
+              <a:t>26-Jun-24</a:t>
             </a:fld>
             <a:endParaRPr lang="en-US"/>
           </a:p>
@@ -2911,7 +2918,7 @@
           <a:p>
             <a:fld id="{52F459B3-43D8-42A8-A121-4FD8C116923C}" type="datetimeFigureOut">
               <a:rPr lang="en-US" smtClean="0"/>
-              <a:t>28-May-24</a:t>
+              <a:t>26-Jun-24</a:t>
             </a:fld>
             <a:endParaRPr lang="en-US"/>
           </a:p>
@@ -3455,6 +3462,171 @@
 </p:sld>
 </file>
 
+<file path=ppt/slides/slide10.xml><?xml version="1.0" encoding="utf-8"?>
+<p:sld xmlns:a="http://schemas.openxmlformats.org/drawingml/2006/main" xmlns:r="http://schemas.openxmlformats.org/officeDocument/2006/relationships" xmlns:p="http://schemas.openxmlformats.org/presentationml/2006/main">
+  <p:cSld>
+    <p:spTree>
+      <p:nvGrpSpPr>
+        <p:cNvPr id="1" name=""/>
+        <p:cNvGrpSpPr/>
+        <p:nvPr/>
+      </p:nvGrpSpPr>
+      <p:grpSpPr>
+        <a:xfrm>
+          <a:off x="0" y="0"/>
+          <a:ext cx="0" cy="0"/>
+          <a:chOff x="0" y="0"/>
+          <a:chExt cx="0" cy="0"/>
+        </a:xfrm>
+      </p:grpSpPr>
+      <p:sp>
+        <p:nvSpPr>
+          <p:cNvPr id="2" name="Title 1">
+            <a:extLst>
+              <a:ext uri="{FF2B5EF4-FFF2-40B4-BE49-F238E27FC236}">
+                <a16:creationId xmlns:a16="http://schemas.microsoft.com/office/drawing/2014/main" id="{7C719F16-C9A4-B623-45EF-4EC900F91082}"/>
+              </a:ext>
+            </a:extLst>
+          </p:cNvPr>
+          <p:cNvSpPr>
+            <a:spLocks noGrp="1"/>
+          </p:cNvSpPr>
+          <p:nvPr>
+            <p:ph type="title"/>
+          </p:nvPr>
+        </p:nvSpPr>
+        <p:spPr/>
+        <p:txBody>
+          <a:bodyPr/>
+          <a:lstStyle/>
+          <a:p>
+            <a:r>
+              <a:rPr lang="en-US" dirty="0"/>
+              <a:t>Code preview</a:t>
+            </a:r>
+          </a:p>
+        </p:txBody>
+      </p:sp>
+      <p:pic>
+        <p:nvPicPr>
+          <p:cNvPr id="5" name="Content Placeholder 4">
+            <a:extLst>
+              <a:ext uri="{FF2B5EF4-FFF2-40B4-BE49-F238E27FC236}">
+                <a16:creationId xmlns:a16="http://schemas.microsoft.com/office/drawing/2014/main" id="{DCE27210-1496-98DE-6ED9-85B28157E398}"/>
+              </a:ext>
+            </a:extLst>
+          </p:cNvPr>
+          <p:cNvPicPr>
+            <a:picLocks noGrp="1" noChangeAspect="1"/>
+          </p:cNvPicPr>
+          <p:nvPr>
+            <p:ph idx="1"/>
+          </p:nvPr>
+        </p:nvPicPr>
+        <p:blipFill>
+          <a:blip r:embed="rId2">
+            <a:extLst>
+              <a:ext uri="{28A0092B-C50C-407E-A947-70E740481C1C}">
+                <a14:useLocalDpi xmlns:a14="http://schemas.microsoft.com/office/drawing/2010/main" val="0"/>
+              </a:ext>
+            </a:extLst>
+          </a:blip>
+          <a:stretch>
+            <a:fillRect/>
+          </a:stretch>
+        </p:blipFill>
+        <p:spPr>
+          <a:xfrm>
+            <a:off x="838200" y="1690688"/>
+            <a:ext cx="4343400" cy="3143250"/>
+          </a:xfrm>
+        </p:spPr>
+      </p:pic>
+      <p:pic>
+        <p:nvPicPr>
+          <p:cNvPr id="7" name="Picture 6">
+            <a:extLst>
+              <a:ext uri="{FF2B5EF4-FFF2-40B4-BE49-F238E27FC236}">
+                <a16:creationId xmlns:a16="http://schemas.microsoft.com/office/drawing/2014/main" id="{96309364-23EA-A46B-304A-336DDED7A5DD}"/>
+              </a:ext>
+            </a:extLst>
+          </p:cNvPr>
+          <p:cNvPicPr>
+            <a:picLocks noChangeAspect="1"/>
+          </p:cNvPicPr>
+          <p:nvPr/>
+        </p:nvPicPr>
+        <p:blipFill>
+          <a:blip r:embed="rId3">
+            <a:extLst>
+              <a:ext uri="{28A0092B-C50C-407E-A947-70E740481C1C}">
+                <a14:useLocalDpi xmlns:a14="http://schemas.microsoft.com/office/drawing/2010/main" val="0"/>
+              </a:ext>
+            </a:extLst>
+          </a:blip>
+          <a:stretch>
+            <a:fillRect/>
+          </a:stretch>
+        </p:blipFill>
+        <p:spPr>
+          <a:xfrm>
+            <a:off x="5371638" y="1686018"/>
+            <a:ext cx="6686550" cy="2057400"/>
+          </a:xfrm>
+          <a:prstGeom prst="rect">
+            <a:avLst/>
+          </a:prstGeom>
+        </p:spPr>
+      </p:pic>
+      <p:pic>
+        <p:nvPicPr>
+          <p:cNvPr id="9" name="Picture 8">
+            <a:extLst>
+              <a:ext uri="{FF2B5EF4-FFF2-40B4-BE49-F238E27FC236}">
+                <a16:creationId xmlns:a16="http://schemas.microsoft.com/office/drawing/2014/main" id="{B138F039-6CD4-28DD-AC35-F50AF668B12E}"/>
+              </a:ext>
+            </a:extLst>
+          </p:cNvPr>
+          <p:cNvPicPr>
+            <a:picLocks noChangeAspect="1"/>
+          </p:cNvPicPr>
+          <p:nvPr/>
+        </p:nvPicPr>
+        <p:blipFill>
+          <a:blip r:embed="rId4">
+            <a:extLst>
+              <a:ext uri="{28A0092B-C50C-407E-A947-70E740481C1C}">
+                <a14:useLocalDpi xmlns:a14="http://schemas.microsoft.com/office/drawing/2010/main" val="0"/>
+              </a:ext>
+            </a:extLst>
+          </a:blip>
+          <a:stretch>
+            <a:fillRect/>
+          </a:stretch>
+        </p:blipFill>
+        <p:spPr>
+          <a:xfrm>
+            <a:off x="824327" y="5167312"/>
+            <a:ext cx="9759519" cy="1435023"/>
+          </a:xfrm>
+          <a:prstGeom prst="rect">
+            <a:avLst/>
+          </a:prstGeom>
+        </p:spPr>
+      </p:pic>
+    </p:spTree>
+    <p:extLst>
+      <p:ext uri="{BB962C8B-B14F-4D97-AF65-F5344CB8AC3E}">
+        <p14:creationId xmlns:p14="http://schemas.microsoft.com/office/powerpoint/2010/main" val="1621013465"/>
+      </p:ext>
+    </p:extLst>
+  </p:cSld>
+  <p:clrMapOvr>
+    <a:masterClrMapping/>
+  </p:clrMapOvr>
+</p:sld>
+</file>
+
 <file path=ppt/slides/slide2.xml><?xml version="1.0" encoding="utf-8"?>
 <p:sld xmlns:a="http://schemas.openxmlformats.org/drawingml/2006/main" xmlns:r="http://schemas.openxmlformats.org/officeDocument/2006/relationships" xmlns:p="http://schemas.openxmlformats.org/presentationml/2006/main">
   <p:cSld>
@@ -3932,6 +4104,96 @@
           <p:cNvPr id="2" name="Title 1">
             <a:extLst>
               <a:ext uri="{FF2B5EF4-FFF2-40B4-BE49-F238E27FC236}">
+                <a16:creationId xmlns:a16="http://schemas.microsoft.com/office/drawing/2014/main" id="{9F8402A6-71E1-992A-8F34-CC5E1EE145E2}"/>
+              </a:ext>
+            </a:extLst>
+          </p:cNvPr>
+          <p:cNvSpPr>
+            <a:spLocks noGrp="1"/>
+          </p:cNvSpPr>
+          <p:nvPr>
+            <p:ph type="title"/>
+          </p:nvPr>
+        </p:nvSpPr>
+        <p:spPr/>
+        <p:txBody>
+          <a:bodyPr/>
+          <a:lstStyle/>
+          <a:p>
+            <a:endParaRPr lang="en-US"/>
+          </a:p>
+        </p:txBody>
+      </p:sp>
+      <p:pic>
+        <p:nvPicPr>
+          <p:cNvPr id="5" name="Content Placeholder 4">
+            <a:extLst>
+              <a:ext uri="{FF2B5EF4-FFF2-40B4-BE49-F238E27FC236}">
+                <a16:creationId xmlns:a16="http://schemas.microsoft.com/office/drawing/2014/main" id="{8757D5E5-7DD2-2076-EA87-844E96D52F01}"/>
+              </a:ext>
+            </a:extLst>
+          </p:cNvPr>
+          <p:cNvPicPr>
+            <a:picLocks noGrp="1" noChangeAspect="1"/>
+          </p:cNvPicPr>
+          <p:nvPr>
+            <p:ph idx="1"/>
+          </p:nvPr>
+        </p:nvPicPr>
+        <p:blipFill>
+          <a:blip r:embed="rId2">
+            <a:extLst>
+              <a:ext uri="{28A0092B-C50C-407E-A947-70E740481C1C}">
+                <a14:useLocalDpi xmlns:a14="http://schemas.microsoft.com/office/drawing/2010/main" val="0"/>
+              </a:ext>
+            </a:extLst>
+          </a:blip>
+          <a:stretch>
+            <a:fillRect/>
+          </a:stretch>
+        </p:blipFill>
+        <p:spPr>
+          <a:xfrm>
+            <a:off x="2999509" y="442982"/>
+            <a:ext cx="5257800" cy="5972035"/>
+          </a:xfrm>
+        </p:spPr>
+      </p:pic>
+    </p:spTree>
+    <p:extLst>
+      <p:ext uri="{BB962C8B-B14F-4D97-AF65-F5344CB8AC3E}">
+        <p14:creationId xmlns:p14="http://schemas.microsoft.com/office/powerpoint/2010/main" val="4100471103"/>
+      </p:ext>
+    </p:extLst>
+  </p:cSld>
+  <p:clrMapOvr>
+    <a:masterClrMapping/>
+  </p:clrMapOvr>
+</p:sld>
+</file>
+
+<file path=ppt/slides/slide7.xml><?xml version="1.0" encoding="utf-8"?>
+<p:sld xmlns:a="http://schemas.openxmlformats.org/drawingml/2006/main" xmlns:r="http://schemas.openxmlformats.org/officeDocument/2006/relationships" xmlns:p="http://schemas.openxmlformats.org/presentationml/2006/main">
+  <p:cSld>
+    <p:spTree>
+      <p:nvGrpSpPr>
+        <p:cNvPr id="1" name=""/>
+        <p:cNvGrpSpPr/>
+        <p:nvPr/>
+      </p:nvGrpSpPr>
+      <p:grpSpPr>
+        <a:xfrm>
+          <a:off x="0" y="0"/>
+          <a:ext cx="0" cy="0"/>
+          <a:chOff x="0" y="0"/>
+          <a:chExt cx="0" cy="0"/>
+        </a:xfrm>
+      </p:grpSpPr>
+      <p:sp>
+        <p:nvSpPr>
+          <p:cNvPr id="2" name="Title 1">
+            <a:extLst>
+              <a:ext uri="{FF2B5EF4-FFF2-40B4-BE49-F238E27FC236}">
                 <a16:creationId xmlns:a16="http://schemas.microsoft.com/office/drawing/2014/main" id="{FAFB044A-0A7A-BB8A-E6A3-79A96100DFDD}"/>
               </a:ext>
             </a:extLst>
@@ -4003,7 +4265,7 @@
 </p:sld>
 </file>
 
-<file path=ppt/slides/slide7.xml><?xml version="1.0" encoding="utf-8"?>
+<file path=ppt/slides/slide8.xml><?xml version="1.0" encoding="utf-8"?>
 <p:sld xmlns:a="http://schemas.openxmlformats.org/drawingml/2006/main" xmlns:r="http://schemas.openxmlformats.org/officeDocument/2006/relationships" xmlns:p="http://schemas.openxmlformats.org/presentationml/2006/main">
   <p:cSld>
     <p:spTree>
@@ -4132,7 +4394,7 @@
 </p:sld>
 </file>
 
-<file path=ppt/slides/slide8.xml><?xml version="1.0" encoding="utf-8"?>
+<file path=ppt/slides/slide9.xml><?xml version="1.0" encoding="utf-8"?>
 <p:sld xmlns:a="http://schemas.openxmlformats.org/drawingml/2006/main" xmlns:r="http://schemas.openxmlformats.org/officeDocument/2006/relationships" xmlns:p="http://schemas.openxmlformats.org/presentationml/2006/main">
   <p:cSld>
     <p:spTree>
@@ -4154,7 +4416,7 @@
           <p:cNvPr id="2" name="Title 1">
             <a:extLst>
               <a:ext uri="{FF2B5EF4-FFF2-40B4-BE49-F238E27FC236}">
-                <a16:creationId xmlns:a16="http://schemas.microsoft.com/office/drawing/2014/main" id="{7C719F16-C9A4-B623-45EF-4EC900F91082}"/>
+                <a16:creationId xmlns:a16="http://schemas.microsoft.com/office/drawing/2014/main" id="{C4938C29-713C-D512-F145-1F3945A8ADB3}"/>
               </a:ext>
             </a:extLst>
           </p:cNvPr>
@@ -4170,10 +4432,7 @@
           <a:bodyPr/>
           <a:lstStyle/>
           <a:p>
-            <a:r>
-              <a:rPr lang="en-US" dirty="0"/>
-              <a:t>Code preview</a:t>
-            </a:r>
+            <a:endParaRPr lang="en-US"/>
           </a:p>
         </p:txBody>
       </p:sp>
@@ -4182,7 +4441,7 @@
           <p:cNvPr id="5" name="Content Placeholder 4">
             <a:extLst>
               <a:ext uri="{FF2B5EF4-FFF2-40B4-BE49-F238E27FC236}">
-                <a16:creationId xmlns:a16="http://schemas.microsoft.com/office/drawing/2014/main" id="{DCE27210-1496-98DE-6ED9-85B28157E398}"/>
+                <a16:creationId xmlns:a16="http://schemas.microsoft.com/office/drawing/2014/main" id="{91A30483-D635-4A24-5385-0F0DCC898426}"/>
               </a:ext>
             </a:extLst>
           </p:cNvPr>
@@ -4207,87 +4466,15 @@
         </p:blipFill>
         <p:spPr>
           <a:xfrm>
-            <a:off x="838200" y="1690688"/>
-            <a:ext cx="4343400" cy="3143250"/>
+            <a:off x="838200" y="2595011"/>
+            <a:ext cx="10515600" cy="2812566"/>
           </a:xfrm>
-        </p:spPr>
-      </p:pic>
-      <p:pic>
-        <p:nvPicPr>
-          <p:cNvPr id="7" name="Picture 6">
-            <a:extLst>
-              <a:ext uri="{FF2B5EF4-FFF2-40B4-BE49-F238E27FC236}">
-                <a16:creationId xmlns:a16="http://schemas.microsoft.com/office/drawing/2014/main" id="{96309364-23EA-A46B-304A-336DDED7A5DD}"/>
-              </a:ext>
-            </a:extLst>
-          </p:cNvPr>
-          <p:cNvPicPr>
-            <a:picLocks noChangeAspect="1"/>
-          </p:cNvPicPr>
-          <p:nvPr/>
-        </p:nvPicPr>
-        <p:blipFill>
-          <a:blip r:embed="rId3">
-            <a:extLst>
-              <a:ext uri="{28A0092B-C50C-407E-A947-70E740481C1C}">
-                <a14:useLocalDpi xmlns:a14="http://schemas.microsoft.com/office/drawing/2010/main" val="0"/>
-              </a:ext>
-            </a:extLst>
-          </a:blip>
-          <a:stretch>
-            <a:fillRect/>
-          </a:stretch>
-        </p:blipFill>
-        <p:spPr>
-          <a:xfrm>
-            <a:off x="5371638" y="1686018"/>
-            <a:ext cx="6686550" cy="2057400"/>
-          </a:xfrm>
-          <a:prstGeom prst="rect">
-            <a:avLst/>
-          </a:prstGeom>
-        </p:spPr>
-      </p:pic>
-      <p:pic>
-        <p:nvPicPr>
-          <p:cNvPr id="9" name="Picture 8">
-            <a:extLst>
-              <a:ext uri="{FF2B5EF4-FFF2-40B4-BE49-F238E27FC236}">
-                <a16:creationId xmlns:a16="http://schemas.microsoft.com/office/drawing/2014/main" id="{B138F039-6CD4-28DD-AC35-F50AF668B12E}"/>
-              </a:ext>
-            </a:extLst>
-          </p:cNvPr>
-          <p:cNvPicPr>
-            <a:picLocks noChangeAspect="1"/>
-          </p:cNvPicPr>
-          <p:nvPr/>
-        </p:nvPicPr>
-        <p:blipFill>
-          <a:blip r:embed="rId4">
-            <a:extLst>
-              <a:ext uri="{28A0092B-C50C-407E-A947-70E740481C1C}">
-                <a14:useLocalDpi xmlns:a14="http://schemas.microsoft.com/office/drawing/2010/main" val="0"/>
-              </a:ext>
-            </a:extLst>
-          </a:blip>
-          <a:stretch>
-            <a:fillRect/>
-          </a:stretch>
-        </p:blipFill>
-        <p:spPr>
-          <a:xfrm>
-            <a:off x="824327" y="5167312"/>
-            <a:ext cx="9759519" cy="1435023"/>
-          </a:xfrm>
-          <a:prstGeom prst="rect">
-            <a:avLst/>
-          </a:prstGeom>
         </p:spPr>
       </p:pic>
     </p:spTree>
     <p:extLst>
       <p:ext uri="{BB962C8B-B14F-4D97-AF65-F5344CB8AC3E}">
-        <p14:creationId xmlns:p14="http://schemas.microsoft.com/office/powerpoint/2010/main" val="1621013465"/>
+        <p14:creationId xmlns:p14="http://schemas.microsoft.com/office/powerpoint/2010/main" val="2626826454"/>
       </p:ext>
     </p:extLst>
   </p:cSld>
